--- a/CODE COULEUR.pptx
+++ b/CODE COULEUR.pptx
@@ -105,6 +105,11 @@
       </a:defRPr>
     </a:lvl9pPr>
   </p:defaultTextStyle>
+  <p:extLst>
+    <p:ext uri="{EFAFB233-063F-42B5-8137-9DF3F51BA10A}">
+      <p15:sldGuideLst xmlns:p15="http://schemas.microsoft.com/office/powerpoint/2012/main"/>
+    </p:ext>
+  </p:extLst>
 </p:presentation>
 </file>
 
@@ -239,7 +244,7 @@
           <a:p>
             <a:fld id="{5395B43B-1E6F-4DA8-B966-39A2A4302326}" type="datetimeFigureOut">
               <a:rPr lang="fr-FR" smtClean="0"/>
-              <a:t>20/12/2021</a:t>
+              <a:t>23/12/2021</a:t>
             </a:fld>
             <a:endParaRPr lang="fr-FR"/>
           </a:p>
@@ -409,7 +414,7 @@
           <a:p>
             <a:fld id="{5395B43B-1E6F-4DA8-B966-39A2A4302326}" type="datetimeFigureOut">
               <a:rPr lang="fr-FR" smtClean="0"/>
-              <a:t>20/12/2021</a:t>
+              <a:t>23/12/2021</a:t>
             </a:fld>
             <a:endParaRPr lang="fr-FR"/>
           </a:p>
@@ -589,7 +594,7 @@
           <a:p>
             <a:fld id="{5395B43B-1E6F-4DA8-B966-39A2A4302326}" type="datetimeFigureOut">
               <a:rPr lang="fr-FR" smtClean="0"/>
-              <a:t>20/12/2021</a:t>
+              <a:t>23/12/2021</a:t>
             </a:fld>
             <a:endParaRPr lang="fr-FR"/>
           </a:p>
@@ -759,7 +764,7 @@
           <a:p>
             <a:fld id="{5395B43B-1E6F-4DA8-B966-39A2A4302326}" type="datetimeFigureOut">
               <a:rPr lang="fr-FR" smtClean="0"/>
-              <a:t>20/12/2021</a:t>
+              <a:t>23/12/2021</a:t>
             </a:fld>
             <a:endParaRPr lang="fr-FR"/>
           </a:p>
@@ -1005,7 +1010,7 @@
           <a:p>
             <a:fld id="{5395B43B-1E6F-4DA8-B966-39A2A4302326}" type="datetimeFigureOut">
               <a:rPr lang="fr-FR" smtClean="0"/>
-              <a:t>20/12/2021</a:t>
+              <a:t>23/12/2021</a:t>
             </a:fld>
             <a:endParaRPr lang="fr-FR"/>
           </a:p>
@@ -1237,7 +1242,7 @@
           <a:p>
             <a:fld id="{5395B43B-1E6F-4DA8-B966-39A2A4302326}" type="datetimeFigureOut">
               <a:rPr lang="fr-FR" smtClean="0"/>
-              <a:t>20/12/2021</a:t>
+              <a:t>23/12/2021</a:t>
             </a:fld>
             <a:endParaRPr lang="fr-FR"/>
           </a:p>
@@ -1604,7 +1609,7 @@
           <a:p>
             <a:fld id="{5395B43B-1E6F-4DA8-B966-39A2A4302326}" type="datetimeFigureOut">
               <a:rPr lang="fr-FR" smtClean="0"/>
-              <a:t>20/12/2021</a:t>
+              <a:t>23/12/2021</a:t>
             </a:fld>
             <a:endParaRPr lang="fr-FR"/>
           </a:p>
@@ -1722,7 +1727,7 @@
           <a:p>
             <a:fld id="{5395B43B-1E6F-4DA8-B966-39A2A4302326}" type="datetimeFigureOut">
               <a:rPr lang="fr-FR" smtClean="0"/>
-              <a:t>20/12/2021</a:t>
+              <a:t>23/12/2021</a:t>
             </a:fld>
             <a:endParaRPr lang="fr-FR"/>
           </a:p>
@@ -1817,7 +1822,7 @@
           <a:p>
             <a:fld id="{5395B43B-1E6F-4DA8-B966-39A2A4302326}" type="datetimeFigureOut">
               <a:rPr lang="fr-FR" smtClean="0"/>
-              <a:t>20/12/2021</a:t>
+              <a:t>23/12/2021</a:t>
             </a:fld>
             <a:endParaRPr lang="fr-FR"/>
           </a:p>
@@ -2094,7 +2099,7 @@
           <a:p>
             <a:fld id="{5395B43B-1E6F-4DA8-B966-39A2A4302326}" type="datetimeFigureOut">
               <a:rPr lang="fr-FR" smtClean="0"/>
-              <a:t>20/12/2021</a:t>
+              <a:t>23/12/2021</a:t>
             </a:fld>
             <a:endParaRPr lang="fr-FR"/>
           </a:p>
@@ -2347,7 +2352,7 @@
           <a:p>
             <a:fld id="{5395B43B-1E6F-4DA8-B966-39A2A4302326}" type="datetimeFigureOut">
               <a:rPr lang="fr-FR" smtClean="0"/>
-              <a:t>20/12/2021</a:t>
+              <a:t>23/12/2021</a:t>
             </a:fld>
             <a:endParaRPr lang="fr-FR"/>
           </a:p>
@@ -2560,7 +2565,7 @@
           <a:p>
             <a:fld id="{5395B43B-1E6F-4DA8-B966-39A2A4302326}" type="datetimeFigureOut">
               <a:rPr lang="fr-FR" smtClean="0"/>
-              <a:t>20/12/2021</a:t>
+              <a:t>23/12/2021</a:t>
             </a:fld>
             <a:endParaRPr lang="fr-FR"/>
           </a:p>
@@ -3158,59 +3163,13 @@
       </p:pic>
       <p:sp>
         <p:nvSpPr>
-          <p:cNvPr id="19" name="Rectangle 18"/>
-          <p:cNvSpPr/>
-          <p:nvPr/>
-        </p:nvSpPr>
-        <p:spPr>
-          <a:xfrm>
-            <a:off x="6490908" y="3324682"/>
-            <a:ext cx="962905" cy="3317875"/>
-          </a:xfrm>
-          <a:prstGeom prst="rect">
-            <a:avLst/>
-          </a:prstGeom>
-          <a:solidFill>
-            <a:srgbClr val="FD7015"/>
-          </a:solidFill>
-          <a:ln>
-            <a:noFill/>
-          </a:ln>
-        </p:spPr>
-        <p:style>
-          <a:lnRef idx="2">
-            <a:schemeClr val="accent1">
-              <a:shade val="50000"/>
-            </a:schemeClr>
-          </a:lnRef>
-          <a:fillRef idx="1">
-            <a:schemeClr val="accent1"/>
-          </a:fillRef>
-          <a:effectRef idx="0">
-            <a:schemeClr val="accent1"/>
-          </a:effectRef>
-          <a:fontRef idx="minor">
-            <a:schemeClr val="lt1"/>
-          </a:fontRef>
-        </p:style>
-        <p:txBody>
-          <a:bodyPr rtlCol="0" anchor="ctr"/>
-          <a:lstStyle/>
-          <a:p>
-            <a:pPr algn="ctr"/>
-            <a:endParaRPr lang="fr-FR"/>
-          </a:p>
-        </p:txBody>
-      </p:sp>
-      <p:sp>
-        <p:nvSpPr>
           <p:cNvPr id="20" name="Rectangle 19"/>
           <p:cNvSpPr/>
           <p:nvPr/>
         </p:nvSpPr>
         <p:spPr>
           <a:xfrm>
-            <a:off x="7453813" y="3324682"/>
+            <a:off x="6490908" y="3324681"/>
             <a:ext cx="962905" cy="3317875"/>
           </a:xfrm>
           <a:prstGeom prst="rect">
@@ -3321,6 +3280,52 @@
               <a:t>Cela va nous permettre de mieux gérer les couleur de notre application</a:t>
             </a:r>
             <a:endParaRPr lang="fr-FR" sz="2000" dirty="0"/>
+          </a:p>
+        </p:txBody>
+      </p:sp>
+      <p:sp>
+        <p:nvSpPr>
+          <p:cNvPr id="9" name="Rectangle 8"/>
+          <p:cNvSpPr/>
+          <p:nvPr/>
+        </p:nvSpPr>
+        <p:spPr>
+          <a:xfrm>
+            <a:off x="7436420" y="3324680"/>
+            <a:ext cx="962905" cy="3317875"/>
+          </a:xfrm>
+          <a:prstGeom prst="rect">
+            <a:avLst/>
+          </a:prstGeom>
+          <a:solidFill>
+            <a:schemeClr val="tx1"/>
+          </a:solidFill>
+          <a:ln>
+            <a:noFill/>
+          </a:ln>
+        </p:spPr>
+        <p:style>
+          <a:lnRef idx="2">
+            <a:schemeClr val="accent3">
+              <a:shade val="50000"/>
+            </a:schemeClr>
+          </a:lnRef>
+          <a:fillRef idx="1">
+            <a:schemeClr val="accent3"/>
+          </a:fillRef>
+          <a:effectRef idx="0">
+            <a:schemeClr val="accent3"/>
+          </a:effectRef>
+          <a:fontRef idx="minor">
+            <a:schemeClr val="lt1"/>
+          </a:fontRef>
+        </p:style>
+        <p:txBody>
+          <a:bodyPr rtlCol="0" anchor="ctr"/>
+          <a:lstStyle/>
+          <a:p>
+            <a:pPr algn="ctr"/>
+            <a:endParaRPr lang="fr-FR"/>
           </a:p>
         </p:txBody>
       </p:sp>
